--- a/trab-escr/trabalho-estatistica-2-images.pptx
+++ b/trab-escr/trabalho-estatistica-2-images.pptx
@@ -104,6 +104,11 @@
       </a:defRPr>
     </a:lvl9pPr>
   </p:defaultTextStyle>
+  <p:extLst>
+    <p:ext uri="{EFAFB233-063F-42B5-8137-9DF3F51BA10A}">
+      <p15:sldGuideLst xmlns:p15="http://schemas.microsoft.com/office/powerpoint/2012/main"/>
+    </p:ext>
+  </p:extLst>
 </p:presentation>
 </file>
 
@@ -254,7 +259,7 @@
           <a:p>
             <a:fld id="{EEA5DA35-AC2E-4891-ACA9-9E7FA35D48DA}" type="datetimeFigureOut">
               <a:rPr lang="pt-BR" smtClean="0"/>
-              <a:t>03/09/2021</a:t>
+              <a:t>06/09/2021</a:t>
             </a:fld>
             <a:endParaRPr lang="pt-BR"/>
           </a:p>
@@ -452,7 +457,7 @@
           <a:p>
             <a:fld id="{EEA5DA35-AC2E-4891-ACA9-9E7FA35D48DA}" type="datetimeFigureOut">
               <a:rPr lang="pt-BR" smtClean="0"/>
-              <a:t>03/09/2021</a:t>
+              <a:t>06/09/2021</a:t>
             </a:fld>
             <a:endParaRPr lang="pt-BR"/>
           </a:p>
@@ -660,7 +665,7 @@
           <a:p>
             <a:fld id="{EEA5DA35-AC2E-4891-ACA9-9E7FA35D48DA}" type="datetimeFigureOut">
               <a:rPr lang="pt-BR" smtClean="0"/>
-              <a:t>03/09/2021</a:t>
+              <a:t>06/09/2021</a:t>
             </a:fld>
             <a:endParaRPr lang="pt-BR"/>
           </a:p>
@@ -858,7 +863,7 @@
           <a:p>
             <a:fld id="{EEA5DA35-AC2E-4891-ACA9-9E7FA35D48DA}" type="datetimeFigureOut">
               <a:rPr lang="pt-BR" smtClean="0"/>
-              <a:t>03/09/2021</a:t>
+              <a:t>06/09/2021</a:t>
             </a:fld>
             <a:endParaRPr lang="pt-BR"/>
           </a:p>
@@ -1133,7 +1138,7 @@
           <a:p>
             <a:fld id="{EEA5DA35-AC2E-4891-ACA9-9E7FA35D48DA}" type="datetimeFigureOut">
               <a:rPr lang="pt-BR" smtClean="0"/>
-              <a:t>03/09/2021</a:t>
+              <a:t>06/09/2021</a:t>
             </a:fld>
             <a:endParaRPr lang="pt-BR"/>
           </a:p>
@@ -1398,7 +1403,7 @@
           <a:p>
             <a:fld id="{EEA5DA35-AC2E-4891-ACA9-9E7FA35D48DA}" type="datetimeFigureOut">
               <a:rPr lang="pt-BR" smtClean="0"/>
-              <a:t>03/09/2021</a:t>
+              <a:t>06/09/2021</a:t>
             </a:fld>
             <a:endParaRPr lang="pt-BR"/>
           </a:p>
@@ -1810,7 +1815,7 @@
           <a:p>
             <a:fld id="{EEA5DA35-AC2E-4891-ACA9-9E7FA35D48DA}" type="datetimeFigureOut">
               <a:rPr lang="pt-BR" smtClean="0"/>
-              <a:t>03/09/2021</a:t>
+              <a:t>06/09/2021</a:t>
             </a:fld>
             <a:endParaRPr lang="pt-BR"/>
           </a:p>
@@ -1951,7 +1956,7 @@
           <a:p>
             <a:fld id="{EEA5DA35-AC2E-4891-ACA9-9E7FA35D48DA}" type="datetimeFigureOut">
               <a:rPr lang="pt-BR" smtClean="0"/>
-              <a:t>03/09/2021</a:t>
+              <a:t>06/09/2021</a:t>
             </a:fld>
             <a:endParaRPr lang="pt-BR"/>
           </a:p>
@@ -2064,7 +2069,7 @@
           <a:p>
             <a:fld id="{EEA5DA35-AC2E-4891-ACA9-9E7FA35D48DA}" type="datetimeFigureOut">
               <a:rPr lang="pt-BR" smtClean="0"/>
-              <a:t>03/09/2021</a:t>
+              <a:t>06/09/2021</a:t>
             </a:fld>
             <a:endParaRPr lang="pt-BR"/>
           </a:p>
@@ -2375,7 +2380,7 @@
           <a:p>
             <a:fld id="{EEA5DA35-AC2E-4891-ACA9-9E7FA35D48DA}" type="datetimeFigureOut">
               <a:rPr lang="pt-BR" smtClean="0"/>
-              <a:t>03/09/2021</a:t>
+              <a:t>06/09/2021</a:t>
             </a:fld>
             <a:endParaRPr lang="pt-BR"/>
           </a:p>
@@ -2663,7 +2668,7 @@
           <a:p>
             <a:fld id="{EEA5DA35-AC2E-4891-ACA9-9E7FA35D48DA}" type="datetimeFigureOut">
               <a:rPr lang="pt-BR" smtClean="0"/>
-              <a:t>03/09/2021</a:t>
+              <a:t>06/09/2021</a:t>
             </a:fld>
             <a:endParaRPr lang="pt-BR"/>
           </a:p>
@@ -2904,7 +2909,7 @@
           <a:p>
             <a:fld id="{EEA5DA35-AC2E-4891-ACA9-9E7FA35D48DA}" type="datetimeFigureOut">
               <a:rPr lang="pt-BR" smtClean="0"/>
-              <a:t>03/09/2021</a:t>
+              <a:t>06/09/2021</a:t>
             </a:fld>
             <a:endParaRPr lang="pt-BR"/>
           </a:p>
@@ -3323,7 +3328,7 @@
       </p:grpSpPr>
       <p:sp>
         <p:nvSpPr>
-          <p:cNvPr id="19" name="Retângulo 18">
+          <p:cNvPr id="19" name="Retângulo: Cantos Arredondados 18">
             <a:extLst>
               <a:ext uri="{FF2B5EF4-FFF2-40B4-BE49-F238E27FC236}">
                 <a16:creationId xmlns:a16="http://schemas.microsoft.com/office/drawing/2014/main" id="{A4F7EA4C-F1B3-4239-A6FB-3A7D29EDF40D}"/>
@@ -3338,17 +3343,20 @@
             <a:off x="3410465" y="321276"/>
             <a:ext cx="5745892" cy="4522573"/>
           </a:xfrm>
-          <a:prstGeom prst="rect">
-            <a:avLst/>
+          <a:prstGeom prst="roundRect">
+            <a:avLst>
+              <a:gd name="adj" fmla="val 8743"/>
+            </a:avLst>
           </a:prstGeom>
           <a:solidFill>
-            <a:schemeClr val="accent3">
-              <a:lumMod val="40000"/>
-              <a:lumOff val="60000"/>
-            </a:schemeClr>
+            <a:schemeClr val="bg1"/>
           </a:solidFill>
           <a:ln>
-            <a:noFill/>
+            <a:solidFill>
+              <a:schemeClr val="bg2">
+                <a:lumMod val="75000"/>
+              </a:schemeClr>
+            </a:solidFill>
           </a:ln>
         </p:spPr>
         <p:style>
